--- a/img/New Microsoft PowerPoint Presentation.pptx
+++ b/img/New Microsoft PowerPoint Presentation.pptx
@@ -107,6 +107,11 @@
       </a:defRPr>
     </a:lvl9pPr>
   </p:defaultTextStyle>
+  <p:extLst>
+    <p:ext uri="{EFAFB233-063F-42B5-8137-9DF3F51BA10A}">
+      <p15:sldGuideLst xmlns:p15="http://schemas.microsoft.com/office/powerpoint/2012/main"/>
+    </p:ext>
+  </p:extLst>
 </p:presentation>
 </file>
 
@@ -192,7 +197,7 @@
           <a:p>
             <a:fld id="{C31F9037-BA3A-412B-8B26-8FD86AAD3E56}" type="datetimeFigureOut">
               <a:rPr lang="en-US" smtClean="0"/>
-              <a:t>11/13/2018</a:t>
+              <a:t>11/15/2018</a:t>
             </a:fld>
             <a:endParaRPr lang="en-US"/>
           </a:p>
@@ -693,7 +698,7 @@
           <a:p>
             <a:fld id="{A081BF54-39A2-4268-9F50-835628F4ECEA}" type="datetimeFigureOut">
               <a:rPr lang="en-US" smtClean="0"/>
-              <a:t>11/13/2018</a:t>
+              <a:t>11/15/2018</a:t>
             </a:fld>
             <a:endParaRPr lang="en-US"/>
           </a:p>
@@ -893,7 +898,7 @@
           <a:p>
             <a:fld id="{A081BF54-39A2-4268-9F50-835628F4ECEA}" type="datetimeFigureOut">
               <a:rPr lang="en-US" smtClean="0"/>
-              <a:t>11/13/2018</a:t>
+              <a:t>11/15/2018</a:t>
             </a:fld>
             <a:endParaRPr lang="en-US"/>
           </a:p>
@@ -1103,7 +1108,7 @@
           <a:p>
             <a:fld id="{A081BF54-39A2-4268-9F50-835628F4ECEA}" type="datetimeFigureOut">
               <a:rPr lang="en-US" smtClean="0"/>
-              <a:t>11/13/2018</a:t>
+              <a:t>11/15/2018</a:t>
             </a:fld>
             <a:endParaRPr lang="en-US"/>
           </a:p>
@@ -1303,7 +1308,7 @@
           <a:p>
             <a:fld id="{A081BF54-39A2-4268-9F50-835628F4ECEA}" type="datetimeFigureOut">
               <a:rPr lang="en-US" smtClean="0"/>
-              <a:t>11/13/2018</a:t>
+              <a:t>11/15/2018</a:t>
             </a:fld>
             <a:endParaRPr lang="en-US"/>
           </a:p>
@@ -1579,7 +1584,7 @@
           <a:p>
             <a:fld id="{A081BF54-39A2-4268-9F50-835628F4ECEA}" type="datetimeFigureOut">
               <a:rPr lang="en-US" smtClean="0"/>
-              <a:t>11/13/2018</a:t>
+              <a:t>11/15/2018</a:t>
             </a:fld>
             <a:endParaRPr lang="en-US"/>
           </a:p>
@@ -1847,7 +1852,7 @@
           <a:p>
             <a:fld id="{A081BF54-39A2-4268-9F50-835628F4ECEA}" type="datetimeFigureOut">
               <a:rPr lang="en-US" smtClean="0"/>
-              <a:t>11/13/2018</a:t>
+              <a:t>11/15/2018</a:t>
             </a:fld>
             <a:endParaRPr lang="en-US"/>
           </a:p>
@@ -2262,7 +2267,7 @@
           <a:p>
             <a:fld id="{A081BF54-39A2-4268-9F50-835628F4ECEA}" type="datetimeFigureOut">
               <a:rPr lang="en-US" smtClean="0"/>
-              <a:t>11/13/2018</a:t>
+              <a:t>11/15/2018</a:t>
             </a:fld>
             <a:endParaRPr lang="en-US"/>
           </a:p>
@@ -2404,7 +2409,7 @@
           <a:p>
             <a:fld id="{A081BF54-39A2-4268-9F50-835628F4ECEA}" type="datetimeFigureOut">
               <a:rPr lang="en-US" smtClean="0"/>
-              <a:t>11/13/2018</a:t>
+              <a:t>11/15/2018</a:t>
             </a:fld>
             <a:endParaRPr lang="en-US"/>
           </a:p>
@@ -2517,7 +2522,7 @@
           <a:p>
             <a:fld id="{A081BF54-39A2-4268-9F50-835628F4ECEA}" type="datetimeFigureOut">
               <a:rPr lang="en-US" smtClean="0"/>
-              <a:t>11/13/2018</a:t>
+              <a:t>11/15/2018</a:t>
             </a:fld>
             <a:endParaRPr lang="en-US"/>
           </a:p>
@@ -2830,7 +2835,7 @@
           <a:p>
             <a:fld id="{A081BF54-39A2-4268-9F50-835628F4ECEA}" type="datetimeFigureOut">
               <a:rPr lang="en-US" smtClean="0"/>
-              <a:t>11/13/2018</a:t>
+              <a:t>11/15/2018</a:t>
             </a:fld>
             <a:endParaRPr lang="en-US"/>
           </a:p>
@@ -3119,7 +3124,7 @@
           <a:p>
             <a:fld id="{A081BF54-39A2-4268-9F50-835628F4ECEA}" type="datetimeFigureOut">
               <a:rPr lang="en-US" smtClean="0"/>
-              <a:t>11/13/2018</a:t>
+              <a:t>11/15/2018</a:t>
             </a:fld>
             <a:endParaRPr lang="en-US"/>
           </a:p>
@@ -3362,7 +3367,7 @@
           <a:p>
             <a:fld id="{A081BF54-39A2-4268-9F50-835628F4ECEA}" type="datetimeFigureOut">
               <a:rPr lang="en-US" smtClean="0"/>
-              <a:t>11/13/2018</a:t>
+              <a:t>11/15/2018</a:t>
             </a:fld>
             <a:endParaRPr lang="en-US"/>
           </a:p>
